--- a/20130816_TypeScript.pptx
+++ b/20130816_TypeScript.pptx
@@ -228,7 +228,7 @@
           <a:p>
             <a:fld id="{6EBE45C2-1147-4836-8E0B-E6D95AAC8987}" type="datetimeFigureOut">
               <a:rPr lang="en-US" smtClean="0"/>
-              <a:t>8/16/2013</a:t>
+              <a:t>8/17/2013</a:t>
             </a:fld>
             <a:endParaRPr lang="en-US"/>
           </a:p>
@@ -1106,7 +1106,7 @@
             <a:fld id="{125EDE23-284B-4032-BB13-15D18E5884FA}" type="datetimeFigureOut">
               <a:rPr lang="en-US" smtClean="0"/>
               <a:pPr/>
-              <a:t>8/16/2013</a:t>
+              <a:t>8/17/2013</a:t>
             </a:fld>
             <a:endParaRPr lang="en-US"/>
           </a:p>
@@ -1208,7 +1208,7 @@
           </a:ln>
           <a:extLst>
             <a:ext uri="{91240B29-F687-4f45-9708-019B960494DF}">
-              <a14:hiddenLine xmlns:a14="http://schemas.microsoft.com/office/drawing/2010/main" xmlns="" w="9525">
+              <a14:hiddenLine xmlns="" xmlns:a14="http://schemas.microsoft.com/office/drawing/2010/main" w="9525">
                 <a:solidFill>
                   <a:srgbClr val="000000"/>
                 </a:solidFill>
@@ -1263,7 +1263,7 @@
           </a:ln>
           <a:extLst>
             <a:ext uri="{91240B29-F687-4f45-9708-019B960494DF}">
-              <a14:hiddenLine xmlns:a14="http://schemas.microsoft.com/office/drawing/2010/main" xmlns="" w="9525">
+              <a14:hiddenLine xmlns="" xmlns:a14="http://schemas.microsoft.com/office/drawing/2010/main" w="9525">
                 <a:solidFill>
                   <a:srgbClr val="000000"/>
                 </a:solidFill>
@@ -1519,7 +1519,7 @@
             <a:fld id="{125EDE23-284B-4032-BB13-15D18E5884FA}" type="datetimeFigureOut">
               <a:rPr lang="en-US" smtClean="0"/>
               <a:pPr/>
-              <a:t>8/16/2013</a:t>
+              <a:t>8/17/2013</a:t>
             </a:fld>
             <a:endParaRPr lang="en-US"/>
           </a:p>
@@ -1769,7 +1769,7 @@
             <a:fld id="{125EDE23-284B-4032-BB13-15D18E5884FA}" type="datetimeFigureOut">
               <a:rPr lang="en-US" smtClean="0"/>
               <a:pPr/>
-              <a:t>8/16/2013</a:t>
+              <a:t>8/17/2013</a:t>
             </a:fld>
             <a:endParaRPr lang="en-US"/>
           </a:p>
@@ -2311,7 +2311,7 @@
             <a:fld id="{125EDE23-284B-4032-BB13-15D18E5884FA}" type="datetimeFigureOut">
               <a:rPr lang="en-US" smtClean="0"/>
               <a:pPr/>
-              <a:t>8/16/2013</a:t>
+              <a:t>8/17/2013</a:t>
             </a:fld>
             <a:endParaRPr lang="en-US"/>
           </a:p>
@@ -2561,7 +2561,7 @@
             <a:fld id="{125EDE23-284B-4032-BB13-15D18E5884FA}" type="datetimeFigureOut">
               <a:rPr lang="en-US" smtClean="0"/>
               <a:pPr/>
-              <a:t>8/16/2013</a:t>
+              <a:t>8/17/2013</a:t>
             </a:fld>
             <a:endParaRPr lang="en-US"/>
           </a:p>
@@ -3095,7 +3095,7 @@
             <a:fld id="{125EDE23-284B-4032-BB13-15D18E5884FA}" type="datetimeFigureOut">
               <a:rPr lang="en-US" smtClean="0"/>
               <a:pPr/>
-              <a:t>8/16/2013</a:t>
+              <a:t>8/17/2013</a:t>
             </a:fld>
             <a:endParaRPr lang="en-US"/>
           </a:p>
@@ -3394,7 +3394,7 @@
             <a:fld id="{125EDE23-284B-4032-BB13-15D18E5884FA}" type="datetimeFigureOut">
               <a:rPr lang="en-US" smtClean="0"/>
               <a:pPr/>
-              <a:t>8/16/2013</a:t>
+              <a:t>8/17/2013</a:t>
             </a:fld>
             <a:endParaRPr lang="en-US"/>
           </a:p>
@@ -3570,7 +3570,7 @@
             <a:fld id="{125EDE23-284B-4032-BB13-15D18E5884FA}" type="datetimeFigureOut">
               <a:rPr lang="en-US" smtClean="0"/>
               <a:pPr/>
-              <a:t>8/16/2013</a:t>
+              <a:t>8/17/2013</a:t>
             </a:fld>
             <a:endParaRPr lang="en-US"/>
           </a:p>
@@ -3752,7 +3752,7 @@
             <a:fld id="{125EDE23-284B-4032-BB13-15D18E5884FA}" type="datetimeFigureOut">
               <a:rPr lang="en-US" smtClean="0"/>
               <a:pPr/>
-              <a:t>8/16/2013</a:t>
+              <a:t>8/17/2013</a:t>
             </a:fld>
             <a:endParaRPr lang="en-US"/>
           </a:p>
@@ -4002,7 +4002,7 @@
                 </a:solidFill>
               </a:rPr>
               <a:pPr/>
-              <a:t>8/16/2013</a:t>
+              <a:t>8/17/2013</a:t>
             </a:fld>
             <a:endParaRPr lang="en-US">
               <a:solidFill>
@@ -4204,7 +4204,7 @@
                 </a:solidFill>
               </a:rPr>
               <a:pPr/>
-              <a:t>8/16/2013</a:t>
+              <a:t>8/17/2013</a:t>
             </a:fld>
             <a:endParaRPr lang="en-US">
               <a:solidFill>
@@ -4415,7 +4415,7 @@
             <a:fld id="{125EDE23-284B-4032-BB13-15D18E5884FA}" type="datetimeFigureOut">
               <a:rPr lang="en-US" smtClean="0"/>
               <a:pPr/>
-              <a:t>8/16/2013</a:t>
+              <a:t>8/17/2013</a:t>
             </a:fld>
             <a:endParaRPr lang="en-US"/>
           </a:p>
@@ -4679,7 +4679,7 @@
                 </a:solidFill>
               </a:rPr>
               <a:pPr/>
-              <a:t>8/16/2013</a:t>
+              <a:t>8/17/2013</a:t>
             </a:fld>
             <a:endParaRPr lang="en-US">
               <a:solidFill>
@@ -4999,7 +4999,7 @@
                 </a:solidFill>
               </a:rPr>
               <a:pPr/>
-              <a:t>8/16/2013</a:t>
+              <a:t>8/17/2013</a:t>
             </a:fld>
             <a:endParaRPr lang="en-US">
               <a:solidFill>
@@ -5453,7 +5453,7 @@
                 </a:solidFill>
               </a:rPr>
               <a:pPr/>
-              <a:t>8/16/2013</a:t>
+              <a:t>8/17/2013</a:t>
             </a:fld>
             <a:endParaRPr lang="en-US">
               <a:solidFill>
@@ -5603,7 +5603,7 @@
                 </a:solidFill>
               </a:rPr>
               <a:pPr/>
-              <a:t>8/16/2013</a:t>
+              <a:t>8/17/2013</a:t>
             </a:fld>
             <a:endParaRPr lang="en-US">
               <a:solidFill>
@@ -5730,7 +5730,7 @@
                 </a:solidFill>
               </a:rPr>
               <a:pPr/>
-              <a:t>8/16/2013</a:t>
+              <a:t>8/17/2013</a:t>
             </a:fld>
             <a:endParaRPr lang="en-US">
               <a:solidFill>
@@ -6039,7 +6039,7 @@
                 </a:solidFill>
               </a:rPr>
               <a:pPr/>
-              <a:t>8/16/2013</a:t>
+              <a:t>8/17/2013</a:t>
             </a:fld>
             <a:endParaRPr lang="en-US">
               <a:solidFill>
@@ -6324,7 +6324,7 @@
                 </a:solidFill>
               </a:rPr>
               <a:pPr/>
-              <a:t>8/16/2013</a:t>
+              <a:t>8/17/2013</a:t>
             </a:fld>
             <a:endParaRPr lang="en-US">
               <a:solidFill>
@@ -6526,7 +6526,7 @@
                 </a:solidFill>
               </a:rPr>
               <a:pPr/>
-              <a:t>8/16/2013</a:t>
+              <a:t>8/17/2013</a:t>
             </a:fld>
             <a:endParaRPr lang="en-US">
               <a:solidFill>
@@ -6738,7 +6738,7 @@
                 </a:solidFill>
               </a:rPr>
               <a:pPr/>
-              <a:t>8/16/2013</a:t>
+              <a:t>8/17/2013</a:t>
             </a:fld>
             <a:endParaRPr lang="en-US">
               <a:solidFill>
@@ -7010,7 +7010,7 @@
             <a:fld id="{125EDE23-284B-4032-BB13-15D18E5884FA}" type="datetimeFigureOut">
               <a:rPr lang="en-US" smtClean="0"/>
               <a:pPr/>
-              <a:t>8/16/2013</a:t>
+              <a:t>8/17/2013</a:t>
             </a:fld>
             <a:endParaRPr lang="en-US"/>
           </a:p>
@@ -7314,7 +7314,7 @@
             <a:fld id="{125EDE23-284B-4032-BB13-15D18E5884FA}" type="datetimeFigureOut">
               <a:rPr lang="en-US" smtClean="0"/>
               <a:pPr/>
-              <a:t>8/16/2013</a:t>
+              <a:t>8/17/2013</a:t>
             </a:fld>
             <a:endParaRPr lang="en-US"/>
           </a:p>
@@ -7758,7 +7758,7 @@
             <a:fld id="{125EDE23-284B-4032-BB13-15D18E5884FA}" type="datetimeFigureOut">
               <a:rPr lang="en-US" smtClean="0"/>
               <a:pPr/>
-              <a:t>8/16/2013</a:t>
+              <a:t>8/17/2013</a:t>
             </a:fld>
             <a:endParaRPr lang="en-US"/>
           </a:p>
@@ -7878,7 +7878,7 @@
             <a:fld id="{125EDE23-284B-4032-BB13-15D18E5884FA}" type="datetimeFigureOut">
               <a:rPr lang="en-US" smtClean="0"/>
               <a:pPr/>
-              <a:t>8/16/2013</a:t>
+              <a:t>8/17/2013</a:t>
             </a:fld>
             <a:endParaRPr lang="en-US"/>
           </a:p>
@@ -7975,7 +7975,7 @@
             <a:fld id="{125EDE23-284B-4032-BB13-15D18E5884FA}" type="datetimeFigureOut">
               <a:rPr lang="en-US" smtClean="0"/>
               <a:pPr/>
-              <a:t>8/16/2013</a:t>
+              <a:t>8/17/2013</a:t>
             </a:fld>
             <a:endParaRPr lang="en-US"/>
           </a:p>
@@ -8260,7 +8260,7 @@
             <a:fld id="{125EDE23-284B-4032-BB13-15D18E5884FA}" type="datetimeFigureOut">
               <a:rPr lang="en-US" smtClean="0"/>
               <a:pPr/>
-              <a:t>8/16/2013</a:t>
+              <a:t>8/17/2013</a:t>
             </a:fld>
             <a:endParaRPr lang="en-US"/>
           </a:p>
@@ -8553,7 +8553,7 @@
             <a:fld id="{125EDE23-284B-4032-BB13-15D18E5884FA}" type="datetimeFigureOut">
               <a:rPr lang="en-US" smtClean="0"/>
               <a:pPr/>
-              <a:t>8/16/2013</a:t>
+              <a:t>8/17/2013</a:t>
             </a:fld>
             <a:endParaRPr lang="en-US"/>
           </a:p>
@@ -9079,7 +9079,7 @@
             <a:fld id="{125EDE23-284B-4032-BB13-15D18E5884FA}" type="datetimeFigureOut">
               <a:rPr lang="en-US" smtClean="0"/>
               <a:pPr/>
-              <a:t>8/16/2013</a:t>
+              <a:t>8/17/2013</a:t>
             </a:fld>
             <a:endParaRPr lang="en-US"/>
           </a:p>
@@ -9753,7 +9753,7 @@
                 </a:solidFill>
               </a:rPr>
               <a:pPr/>
-              <a:t>8/16/2013</a:t>
+              <a:t>8/17/2013</a:t>
             </a:fld>
             <a:endParaRPr lang="en-US">
               <a:solidFill>
@@ -12961,6 +12961,47 @@
           <a:xfrm>
             <a:off x="5938348" y="5887465"/>
             <a:ext cx="2431991" cy="842753"/>
+          </a:xfrm>
+          <a:prstGeom prst="rect">
+            <a:avLst/>
+          </a:prstGeom>
+          <a:noFill/>
+          <a:extLst>
+            <a:ext uri="{909E8E84-426E-40DD-AFC4-6F175D3DCCD1}">
+              <a14:hiddenFill xmlns:a14="http://schemas.microsoft.com/office/drawing/2010/main">
+                <a:solidFill>
+                  <a:srgbClr val="FFFFFF"/>
+                </a:solidFill>
+              </a14:hiddenFill>
+            </a:ext>
+          </a:extLst>
+        </p:spPr>
+      </p:pic>
+      <p:pic>
+        <p:nvPicPr>
+          <p:cNvPr id="18" name="Picture 2" descr="C:\Users\emcvicker\Downloads\SponsorLogos\PDI_logo.png"/>
+          <p:cNvPicPr>
+            <a:picLocks noChangeAspect="1" noChangeArrowheads="1"/>
+          </p:cNvPicPr>
+          <p:nvPr/>
+        </p:nvPicPr>
+        <p:blipFill>
+          <a:blip r:embed="rId14">
+            <a:extLst>
+              <a:ext uri="{28A0092B-C50C-407E-A947-70E740481C1C}">
+                <a14:useLocalDpi xmlns:a14="http://schemas.microsoft.com/office/drawing/2010/main" val="0"/>
+              </a:ext>
+            </a:extLst>
+          </a:blip>
+          <a:srcRect/>
+          <a:stretch>
+            <a:fillRect/>
+          </a:stretch>
+        </p:blipFill>
+        <p:spPr bwMode="auto">
+          <a:xfrm>
+            <a:off x="569296" y="6150991"/>
+            <a:ext cx="1858707" cy="537457"/>
           </a:xfrm>
           <a:prstGeom prst="rect">
             <a:avLst/>
